--- a/doc/Assignment3_TypeCheck.pptx
+++ b/doc/Assignment3_TypeCheck.pptx
@@ -5,22 +5,21 @@
     <p:sldMasterId id="2147483648" r:id="rId1"/>
   </p:sldMasterIdLst>
   <p:notesMasterIdLst>
-    <p:notesMasterId r:id="rId15"/>
+    <p:notesMasterId r:id="rId14"/>
   </p:notesMasterIdLst>
   <p:sldIdLst>
     <p:sldId id="256" r:id="rId2"/>
     <p:sldId id="257" r:id="rId3"/>
-    <p:sldId id="258" r:id="rId4"/>
-    <p:sldId id="259" r:id="rId5"/>
-    <p:sldId id="260" r:id="rId6"/>
-    <p:sldId id="261" r:id="rId7"/>
-    <p:sldId id="267" r:id="rId8"/>
-    <p:sldId id="262" r:id="rId9"/>
-    <p:sldId id="263" r:id="rId10"/>
-    <p:sldId id="264" r:id="rId11"/>
-    <p:sldId id="265" r:id="rId12"/>
-    <p:sldId id="266" r:id="rId13"/>
-    <p:sldId id="269" r:id="rId14"/>
+    <p:sldId id="259" r:id="rId4"/>
+    <p:sldId id="260" r:id="rId5"/>
+    <p:sldId id="261" r:id="rId6"/>
+    <p:sldId id="267" r:id="rId7"/>
+    <p:sldId id="262" r:id="rId8"/>
+    <p:sldId id="263" r:id="rId9"/>
+    <p:sldId id="264" r:id="rId10"/>
+    <p:sldId id="265" r:id="rId11"/>
+    <p:sldId id="266" r:id="rId12"/>
+    <p:sldId id="269" r:id="rId13"/>
   </p:sldIdLst>
   <p:sldSz cx="12192000" cy="6858000"/>
   <p:notesSz cx="6858000" cy="9144000"/>
@@ -209,7 +208,7 @@
           <a:p>
             <a:fld id="{5B91B5AF-017C-47B9-9B3F-F2F9F9D8E939}" type="datetimeFigureOut">
               <a:rPr lang="zh-CN" altLang="en-US" smtClean="0"/>
-              <a:t>2023/10/20</a:t>
+              <a:t>2023/10/26</a:t>
             </a:fld>
             <a:endParaRPr lang="zh-CN" altLang="en-US"/>
           </a:p>
@@ -625,7 +624,7 @@
           <a:p>
             <a:fld id="{1E1D02D3-E4CE-4DB8-A311-6CA92AA8E9D6}" type="slidenum">
               <a:rPr lang="zh-CN" altLang="en-US" smtClean="0"/>
-              <a:t>11</a:t>
+              <a:t>10</a:t>
             </a:fld>
             <a:endParaRPr lang="zh-CN" altLang="en-US"/>
           </a:p>
@@ -709,7 +708,7 @@
           <a:p>
             <a:fld id="{1E1D02D3-E4CE-4DB8-A311-6CA92AA8E9D6}" type="slidenum">
               <a:rPr lang="zh-CN" altLang="en-US" smtClean="0"/>
-              <a:t>12</a:t>
+              <a:t>11</a:t>
             </a:fld>
             <a:endParaRPr lang="zh-CN" altLang="en-US"/>
           </a:p>
@@ -793,7 +792,7 @@
           <a:p>
             <a:fld id="{1E1D02D3-E4CE-4DB8-A311-6CA92AA8E9D6}" type="slidenum">
               <a:rPr lang="zh-CN" altLang="en-US" smtClean="0"/>
-              <a:t>13</a:t>
+              <a:t>12</a:t>
             </a:fld>
             <a:endParaRPr lang="zh-CN" altLang="en-US"/>
           </a:p>
@@ -959,7 +958,7 @@
           <a:p>
             <a:fld id="{37C9E383-833E-409F-9013-120C972D2EF7}" type="datetimeFigureOut">
               <a:rPr lang="zh-CN" altLang="en-US" smtClean="0"/>
-              <a:t>2023/10/20</a:t>
+              <a:t>2023/10/26</a:t>
             </a:fld>
             <a:endParaRPr lang="zh-CN" altLang="en-US"/>
           </a:p>
@@ -1157,7 +1156,7 @@
           <a:p>
             <a:fld id="{37C9E383-833E-409F-9013-120C972D2EF7}" type="datetimeFigureOut">
               <a:rPr lang="zh-CN" altLang="en-US" smtClean="0"/>
-              <a:t>2023/10/20</a:t>
+              <a:t>2023/10/26</a:t>
             </a:fld>
             <a:endParaRPr lang="zh-CN" altLang="en-US"/>
           </a:p>
@@ -1365,7 +1364,7 @@
           <a:p>
             <a:fld id="{37C9E383-833E-409F-9013-120C972D2EF7}" type="datetimeFigureOut">
               <a:rPr lang="zh-CN" altLang="en-US" smtClean="0"/>
-              <a:t>2023/10/20</a:t>
+              <a:t>2023/10/26</a:t>
             </a:fld>
             <a:endParaRPr lang="zh-CN" altLang="en-US"/>
           </a:p>
@@ -1563,7 +1562,7 @@
           <a:p>
             <a:fld id="{37C9E383-833E-409F-9013-120C972D2EF7}" type="datetimeFigureOut">
               <a:rPr lang="zh-CN" altLang="en-US" smtClean="0"/>
-              <a:t>2023/10/20</a:t>
+              <a:t>2023/10/26</a:t>
             </a:fld>
             <a:endParaRPr lang="zh-CN" altLang="en-US"/>
           </a:p>
@@ -1838,7 +1837,7 @@
           <a:p>
             <a:fld id="{37C9E383-833E-409F-9013-120C972D2EF7}" type="datetimeFigureOut">
               <a:rPr lang="zh-CN" altLang="en-US" smtClean="0"/>
-              <a:t>2023/10/20</a:t>
+              <a:t>2023/10/26</a:t>
             </a:fld>
             <a:endParaRPr lang="zh-CN" altLang="en-US"/>
           </a:p>
@@ -2103,7 +2102,7 @@
           <a:p>
             <a:fld id="{37C9E383-833E-409F-9013-120C972D2EF7}" type="datetimeFigureOut">
               <a:rPr lang="zh-CN" altLang="en-US" smtClean="0"/>
-              <a:t>2023/10/20</a:t>
+              <a:t>2023/10/26</a:t>
             </a:fld>
             <a:endParaRPr lang="zh-CN" altLang="en-US"/>
           </a:p>
@@ -2515,7 +2514,7 @@
           <a:p>
             <a:fld id="{37C9E383-833E-409F-9013-120C972D2EF7}" type="datetimeFigureOut">
               <a:rPr lang="zh-CN" altLang="en-US" smtClean="0"/>
-              <a:t>2023/10/20</a:t>
+              <a:t>2023/10/26</a:t>
             </a:fld>
             <a:endParaRPr lang="zh-CN" altLang="en-US"/>
           </a:p>
@@ -2656,7 +2655,7 @@
           <a:p>
             <a:fld id="{37C9E383-833E-409F-9013-120C972D2EF7}" type="datetimeFigureOut">
               <a:rPr lang="zh-CN" altLang="en-US" smtClean="0"/>
-              <a:t>2023/10/20</a:t>
+              <a:t>2023/10/26</a:t>
             </a:fld>
             <a:endParaRPr lang="zh-CN" altLang="en-US"/>
           </a:p>
@@ -2769,7 +2768,7 @@
           <a:p>
             <a:fld id="{37C9E383-833E-409F-9013-120C972D2EF7}" type="datetimeFigureOut">
               <a:rPr lang="zh-CN" altLang="en-US" smtClean="0"/>
-              <a:t>2023/10/20</a:t>
+              <a:t>2023/10/26</a:t>
             </a:fld>
             <a:endParaRPr lang="zh-CN" altLang="en-US"/>
           </a:p>
@@ -3080,7 +3079,7 @@
           <a:p>
             <a:fld id="{37C9E383-833E-409F-9013-120C972D2EF7}" type="datetimeFigureOut">
               <a:rPr lang="zh-CN" altLang="en-US" smtClean="0"/>
-              <a:t>2023/10/20</a:t>
+              <a:t>2023/10/26</a:t>
             </a:fld>
             <a:endParaRPr lang="zh-CN" altLang="en-US"/>
           </a:p>
@@ -3368,7 +3367,7 @@
           <a:p>
             <a:fld id="{37C9E383-833E-409F-9013-120C972D2EF7}" type="datetimeFigureOut">
               <a:rPr lang="zh-CN" altLang="en-US" smtClean="0"/>
-              <a:t>2023/10/20</a:t>
+              <a:t>2023/10/26</a:t>
             </a:fld>
             <a:endParaRPr lang="zh-CN" altLang="en-US"/>
           </a:p>
@@ -3609,7 +3608,7 @@
           <a:p>
             <a:fld id="{37C9E383-833E-409F-9013-120C972D2EF7}" type="datetimeFigureOut">
               <a:rPr lang="zh-CN" altLang="en-US" smtClean="0"/>
-              <a:t>2023/10/20</a:t>
+              <a:t>2023/10/26</a:t>
             </a:fld>
             <a:endParaRPr lang="zh-CN" altLang="en-US"/>
           </a:p>
@@ -4202,139 +4201,6 @@
                 <a:ea typeface="黑体" panose="02010609060101010101" pitchFamily="49" charset="-122"/>
                 <a:cs typeface="Times New Roman" panose="02020603050405020304" pitchFamily="18" charset="0"/>
               </a:rPr>
-              <a:t>一种可能的实现：</a:t>
-            </a:r>
-          </a:p>
-        </p:txBody>
-      </p:sp>
-      <p:pic>
-        <p:nvPicPr>
-          <p:cNvPr id="5" name="图片 4">
-            <a:extLst>
-              <a:ext uri="{FF2B5EF4-FFF2-40B4-BE49-F238E27FC236}">
-                <a16:creationId xmlns:a16="http://schemas.microsoft.com/office/drawing/2014/main" id="{460FF255-6319-455B-80E4-988BCE0720F5}"/>
-              </a:ext>
-            </a:extLst>
-          </p:cNvPr>
-          <p:cNvPicPr>
-            <a:picLocks noChangeAspect="1"/>
-          </p:cNvPicPr>
-          <p:nvPr/>
-        </p:nvPicPr>
-        <p:blipFill>
-          <a:blip r:embed="rId2"/>
-          <a:stretch>
-            <a:fillRect/>
-          </a:stretch>
-        </p:blipFill>
-        <p:spPr>
-          <a:xfrm>
-            <a:off x="3846366" y="1474226"/>
-            <a:ext cx="7959870" cy="4982136"/>
-          </a:xfrm>
-          <a:prstGeom prst="rect">
-            <a:avLst/>
-          </a:prstGeom>
-        </p:spPr>
-      </p:pic>
-    </p:spTree>
-    <p:extLst>
-      <p:ext uri="{BB962C8B-B14F-4D97-AF65-F5344CB8AC3E}">
-        <p14:creationId xmlns:p14="http://schemas.microsoft.com/office/powerpoint/2010/main" val="391190664"/>
-      </p:ext>
-    </p:extLst>
-  </p:cSld>
-  <p:clrMapOvr>
-    <a:masterClrMapping/>
-  </p:clrMapOvr>
-</p:sld>
-</file>
-
-<file path=ppt/slides/slide11.xml><?xml version="1.0" encoding="utf-8"?>
-<p:sld xmlns:a="http://schemas.openxmlformats.org/drawingml/2006/main" xmlns:r="http://schemas.openxmlformats.org/officeDocument/2006/relationships" xmlns:p="http://schemas.openxmlformats.org/presentationml/2006/main">
-  <p:cSld>
-    <p:spTree>
-      <p:nvGrpSpPr>
-        <p:cNvPr id="1" name=""/>
-        <p:cNvGrpSpPr/>
-        <p:nvPr/>
-      </p:nvGrpSpPr>
-      <p:grpSpPr>
-        <a:xfrm>
-          <a:off x="0" y="0"/>
-          <a:ext cx="0" cy="0"/>
-          <a:chOff x="0" y="0"/>
-          <a:chExt cx="0" cy="0"/>
-        </a:xfrm>
-      </p:grpSpPr>
-      <p:sp>
-        <p:nvSpPr>
-          <p:cNvPr id="2" name="标题 1">
-            <a:extLst>
-              <a:ext uri="{FF2B5EF4-FFF2-40B4-BE49-F238E27FC236}">
-                <a16:creationId xmlns:a16="http://schemas.microsoft.com/office/drawing/2014/main" id="{E3E2134A-8F72-40B1-8D48-14097EC751AD}"/>
-              </a:ext>
-            </a:extLst>
-          </p:cNvPr>
-          <p:cNvSpPr>
-            <a:spLocks noGrp="1"/>
-          </p:cNvSpPr>
-          <p:nvPr>
-            <p:ph type="title"/>
-          </p:nvPr>
-        </p:nvSpPr>
-        <p:spPr/>
-        <p:txBody>
-          <a:bodyPr/>
-          <a:lstStyle/>
-          <a:p>
-            <a:r>
-              <a:rPr lang="zh-CN" altLang="en-US" dirty="0">
-                <a:latin typeface="黑体" panose="02010609060101010101" pitchFamily="49" charset="-122"/>
-                <a:ea typeface="黑体" panose="02010609060101010101" pitchFamily="49" charset="-122"/>
-              </a:rPr>
-              <a:t>上手</a:t>
-            </a:r>
-          </a:p>
-        </p:txBody>
-      </p:sp>
-      <p:sp>
-        <p:nvSpPr>
-          <p:cNvPr id="3" name="内容占位符 2">
-            <a:extLst>
-              <a:ext uri="{FF2B5EF4-FFF2-40B4-BE49-F238E27FC236}">
-                <a16:creationId xmlns:a16="http://schemas.microsoft.com/office/drawing/2014/main" id="{52F06DA5-EDDB-4ACF-B1D2-DF82A576D074}"/>
-              </a:ext>
-            </a:extLst>
-          </p:cNvPr>
-          <p:cNvSpPr>
-            <a:spLocks noGrp="1"/>
-          </p:cNvSpPr>
-          <p:nvPr>
-            <p:ph idx="1"/>
-          </p:nvPr>
-        </p:nvSpPr>
-        <p:spPr>
-          <a:xfrm>
-            <a:off x="838199" y="1753907"/>
-            <a:ext cx="10837769" cy="4422775"/>
-          </a:xfrm>
-        </p:spPr>
-        <p:txBody>
-          <a:bodyPr>
-            <a:normAutofit/>
-          </a:bodyPr>
-          <a:lstStyle/>
-          <a:p>
-            <a:pPr marL="0" indent="0">
-              <a:buNone/>
-            </a:pPr>
-            <a:r>
-              <a:rPr lang="zh-CN" altLang="en-US" dirty="0">
-                <a:latin typeface="Times New Roman" panose="02020603050405020304" pitchFamily="18" charset="0"/>
-                <a:ea typeface="黑体" panose="02010609060101010101" pitchFamily="49" charset="-122"/>
-                <a:cs typeface="Times New Roman" panose="02020603050405020304" pitchFamily="18" charset="0"/>
-              </a:rPr>
               <a:t>你可能需要特定的数据结构，比如得把 </a:t>
             </a:r>
             <a:r>
@@ -4473,7 +4339,7 @@
 </p:sld>
 </file>
 
-<file path=ppt/slides/slide12.xml><?xml version="1.0" encoding="utf-8"?>
+<file path=ppt/slides/slide11.xml><?xml version="1.0" encoding="utf-8"?>
 <p:sld xmlns:a="http://schemas.openxmlformats.org/drawingml/2006/main" xmlns:r="http://schemas.openxmlformats.org/officeDocument/2006/relationships" xmlns:p="http://schemas.openxmlformats.org/presentationml/2006/main">
   <p:cSld>
     <p:spTree>
@@ -4735,7 +4601,7 @@
 </p:sld>
 </file>
 
-<file path=ppt/slides/slide13.xml><?xml version="1.0" encoding="utf-8"?>
+<file path=ppt/slides/slide12.xml><?xml version="1.0" encoding="utf-8"?>
 <p:sld xmlns:a="http://schemas.openxmlformats.org/drawingml/2006/main" xmlns:r="http://schemas.openxmlformats.org/officeDocument/2006/relationships" xmlns:p="http://schemas.openxmlformats.org/presentationml/2006/main">
   <p:cSld>
     <p:spTree>
@@ -5076,852 +4942,6 @@
 </file>
 
 <file path=ppt/slides/slide3.xml><?xml version="1.0" encoding="utf-8"?>
-<p:sld xmlns:a="http://schemas.openxmlformats.org/drawingml/2006/main" xmlns:r="http://schemas.openxmlformats.org/officeDocument/2006/relationships" xmlns:p="http://schemas.openxmlformats.org/presentationml/2006/main">
-  <p:cSld>
-    <p:spTree>
-      <p:nvGrpSpPr>
-        <p:cNvPr id="1" name=""/>
-        <p:cNvGrpSpPr/>
-        <p:nvPr/>
-      </p:nvGrpSpPr>
-      <p:grpSpPr>
-        <a:xfrm>
-          <a:off x="0" y="0"/>
-          <a:ext cx="0" cy="0"/>
-          <a:chOff x="0" y="0"/>
-          <a:chExt cx="0" cy="0"/>
-        </a:xfrm>
-      </p:grpSpPr>
-      <p:sp>
-        <p:nvSpPr>
-          <p:cNvPr id="2" name="标题 1">
-            <a:extLst>
-              <a:ext uri="{FF2B5EF4-FFF2-40B4-BE49-F238E27FC236}">
-                <a16:creationId xmlns:a16="http://schemas.microsoft.com/office/drawing/2014/main" id="{7C2A5CD4-E771-4616-8C80-C1215508528D}"/>
-              </a:ext>
-            </a:extLst>
-          </p:cNvPr>
-          <p:cNvSpPr>
-            <a:spLocks noGrp="1"/>
-          </p:cNvSpPr>
-          <p:nvPr>
-            <p:ph type="title"/>
-          </p:nvPr>
-        </p:nvSpPr>
-        <p:spPr/>
-        <p:txBody>
-          <a:bodyPr/>
-          <a:lstStyle/>
-          <a:p>
-            <a:r>
-              <a:rPr lang="zh-CN" altLang="en-US" dirty="0">
-                <a:latin typeface="Times New Roman" panose="02020603050405020304" pitchFamily="18" charset="0"/>
-                <a:ea typeface="黑体" panose="02010609060101010101" pitchFamily="49" charset="-122"/>
-                <a:cs typeface="Times New Roman" panose="02020603050405020304" pitchFamily="18" charset="0"/>
-              </a:rPr>
-              <a:t>类型检查 </a:t>
-            </a:r>
-            <a:r>
-              <a:rPr lang="en-US" altLang="zh-CN" dirty="0">
-                <a:latin typeface="Times New Roman" panose="02020603050405020304" pitchFamily="18" charset="0"/>
-                <a:ea typeface="黑体" panose="02010609060101010101" pitchFamily="49" charset="-122"/>
-                <a:cs typeface="Times New Roman" panose="02020603050405020304" pitchFamily="18" charset="0"/>
-              </a:rPr>
-              <a:t>Type checking</a:t>
-            </a:r>
-            <a:endParaRPr lang="zh-CN" altLang="en-US" dirty="0">
-              <a:latin typeface="Times New Roman" panose="02020603050405020304" pitchFamily="18" charset="0"/>
-              <a:ea typeface="黑体" panose="02010609060101010101" pitchFamily="49" charset="-122"/>
-              <a:cs typeface="Times New Roman" panose="02020603050405020304" pitchFamily="18" charset="0"/>
-            </a:endParaRPr>
-          </a:p>
-        </p:txBody>
-      </p:sp>
-      <p:sp>
-        <p:nvSpPr>
-          <p:cNvPr id="10" name="文本框 9">
-            <a:extLst>
-              <a:ext uri="{FF2B5EF4-FFF2-40B4-BE49-F238E27FC236}">
-                <a16:creationId xmlns:a16="http://schemas.microsoft.com/office/drawing/2014/main" id="{5668F8BC-63E2-4E9F-B9A3-982F72D8C8FE}"/>
-              </a:ext>
-            </a:extLst>
-          </p:cNvPr>
-          <p:cNvSpPr txBox="1"/>
-          <p:nvPr/>
-        </p:nvSpPr>
-        <p:spPr>
-          <a:xfrm>
-            <a:off x="9897035" y="5016605"/>
-            <a:ext cx="1466850" cy="369332"/>
-          </a:xfrm>
-          <a:prstGeom prst="rect">
-            <a:avLst/>
-          </a:prstGeom>
-        </p:spPr>
-        <p:style>
-          <a:lnRef idx="2">
-            <a:schemeClr val="accent6">
-              <a:shade val="50000"/>
-            </a:schemeClr>
-          </a:lnRef>
-          <a:fillRef idx="1">
-            <a:schemeClr val="accent6"/>
-          </a:fillRef>
-          <a:effectRef idx="0">
-            <a:schemeClr val="accent6"/>
-          </a:effectRef>
-          <a:fontRef idx="minor">
-            <a:schemeClr val="lt1"/>
-          </a:fontRef>
-        </p:style>
-        <p:txBody>
-          <a:bodyPr wrap="square" rtlCol="0">
-            <a:spAutoFit/>
-          </a:bodyPr>
-          <a:lstStyle/>
-          <a:p>
-            <a:pPr algn="ctr"/>
-            <a:r>
-              <a:rPr lang="zh-CN" altLang="en-US" dirty="0"/>
-              <a:t>语法分析</a:t>
-            </a:r>
-          </a:p>
-        </p:txBody>
-      </p:sp>
-      <p:sp>
-        <p:nvSpPr>
-          <p:cNvPr id="11" name="文本框 10">
-            <a:extLst>
-              <a:ext uri="{FF2B5EF4-FFF2-40B4-BE49-F238E27FC236}">
-                <a16:creationId xmlns:a16="http://schemas.microsoft.com/office/drawing/2014/main" id="{B4925189-41DD-4BC5-BEA8-0726E9D44D51}"/>
-              </a:ext>
-            </a:extLst>
-          </p:cNvPr>
-          <p:cNvSpPr txBox="1"/>
-          <p:nvPr/>
-        </p:nvSpPr>
-        <p:spPr>
-          <a:xfrm>
-            <a:off x="9897035" y="5509512"/>
-            <a:ext cx="1466850" cy="369332"/>
-          </a:xfrm>
-          <a:prstGeom prst="rect">
-            <a:avLst/>
-          </a:prstGeom>
-        </p:spPr>
-        <p:style>
-          <a:lnRef idx="2">
-            <a:schemeClr val="accent6">
-              <a:shade val="50000"/>
-            </a:schemeClr>
-          </a:lnRef>
-          <a:fillRef idx="1">
-            <a:schemeClr val="accent6"/>
-          </a:fillRef>
-          <a:effectRef idx="0">
-            <a:schemeClr val="accent6"/>
-          </a:effectRef>
-          <a:fontRef idx="minor">
-            <a:schemeClr val="lt1"/>
-          </a:fontRef>
-        </p:style>
-        <p:txBody>
-          <a:bodyPr wrap="square" rtlCol="0">
-            <a:spAutoFit/>
-          </a:bodyPr>
-          <a:lstStyle/>
-          <a:p>
-            <a:pPr algn="ctr"/>
-            <a:r>
-              <a:rPr lang="zh-CN" altLang="en-US" dirty="0"/>
-              <a:t>类型检查</a:t>
-            </a:r>
-          </a:p>
-        </p:txBody>
-      </p:sp>
-      <p:sp>
-        <p:nvSpPr>
-          <p:cNvPr id="12" name="文本框 11">
-            <a:extLst>
-              <a:ext uri="{FF2B5EF4-FFF2-40B4-BE49-F238E27FC236}">
-                <a16:creationId xmlns:a16="http://schemas.microsoft.com/office/drawing/2014/main" id="{D8DE0A6A-CEF5-42B6-8BF5-90537E3C1448}"/>
-              </a:ext>
-            </a:extLst>
-          </p:cNvPr>
-          <p:cNvSpPr txBox="1"/>
-          <p:nvPr/>
-        </p:nvSpPr>
-        <p:spPr>
-          <a:xfrm>
-            <a:off x="9897035" y="6008094"/>
-            <a:ext cx="1466850" cy="369332"/>
-          </a:xfrm>
-          <a:prstGeom prst="rect">
-            <a:avLst/>
-          </a:prstGeom>
-        </p:spPr>
-        <p:style>
-          <a:lnRef idx="2">
-            <a:schemeClr val="accent6">
-              <a:shade val="50000"/>
-            </a:schemeClr>
-          </a:lnRef>
-          <a:fillRef idx="1">
-            <a:schemeClr val="accent6"/>
-          </a:fillRef>
-          <a:effectRef idx="0">
-            <a:schemeClr val="accent6"/>
-          </a:effectRef>
-          <a:fontRef idx="minor">
-            <a:schemeClr val="lt1"/>
-          </a:fontRef>
-        </p:style>
-        <p:txBody>
-          <a:bodyPr wrap="square" rtlCol="0">
-            <a:spAutoFit/>
-          </a:bodyPr>
-          <a:lstStyle/>
-          <a:p>
-            <a:pPr algn="ctr"/>
-            <a:r>
-              <a:rPr lang="zh-CN" altLang="en-US" dirty="0"/>
-              <a:t>运行时正确</a:t>
-            </a:r>
-          </a:p>
-        </p:txBody>
-      </p:sp>
-      <p:pic>
-        <p:nvPicPr>
-          <p:cNvPr id="16" name="图片 15">
-            <a:extLst>
-              <a:ext uri="{FF2B5EF4-FFF2-40B4-BE49-F238E27FC236}">
-                <a16:creationId xmlns:a16="http://schemas.microsoft.com/office/drawing/2014/main" id="{B351DCC2-27E8-4442-86C8-9A3A507EB28C}"/>
-              </a:ext>
-            </a:extLst>
-          </p:cNvPr>
-          <p:cNvPicPr>
-            <a:picLocks noChangeAspect="1"/>
-          </p:cNvPicPr>
-          <p:nvPr/>
-        </p:nvPicPr>
-        <p:blipFill rotWithShape="1">
-          <a:blip r:embed="rId2"/>
-          <a:srcRect r="10717"/>
-          <a:stretch/>
-        </p:blipFill>
-        <p:spPr>
-          <a:xfrm>
-            <a:off x="987797" y="1534023"/>
-            <a:ext cx="2126035" cy="3267075"/>
-          </a:xfrm>
-          <a:prstGeom prst="rect">
-            <a:avLst/>
-          </a:prstGeom>
-        </p:spPr>
-      </p:pic>
-      <p:pic>
-        <p:nvPicPr>
-          <p:cNvPr id="18" name="图片 17">
-            <a:extLst>
-              <a:ext uri="{FF2B5EF4-FFF2-40B4-BE49-F238E27FC236}">
-                <a16:creationId xmlns:a16="http://schemas.microsoft.com/office/drawing/2014/main" id="{3D71FF5B-65C3-4632-B244-DAD2EDDEF993}"/>
-              </a:ext>
-            </a:extLst>
-          </p:cNvPr>
-          <p:cNvPicPr>
-            <a:picLocks noChangeAspect="1"/>
-          </p:cNvPicPr>
-          <p:nvPr/>
-        </p:nvPicPr>
-        <p:blipFill rotWithShape="1">
-          <a:blip r:embed="rId3"/>
-          <a:srcRect t="2557" r="5126"/>
-          <a:stretch/>
-        </p:blipFill>
-        <p:spPr>
-          <a:xfrm>
-            <a:off x="3810697" y="1534022"/>
-            <a:ext cx="2177864" cy="3267076"/>
-          </a:xfrm>
-          <a:prstGeom prst="rect">
-            <a:avLst/>
-          </a:prstGeom>
-        </p:spPr>
-      </p:pic>
-      <p:pic>
-        <p:nvPicPr>
-          <p:cNvPr id="20" name="图片 19">
-            <a:extLst>
-              <a:ext uri="{FF2B5EF4-FFF2-40B4-BE49-F238E27FC236}">
-                <a16:creationId xmlns:a16="http://schemas.microsoft.com/office/drawing/2014/main" id="{E7BF4D94-D9E0-4732-9F75-D25C7BFC821C}"/>
-              </a:ext>
-            </a:extLst>
-          </p:cNvPr>
-          <p:cNvPicPr>
-            <a:picLocks noChangeAspect="1"/>
-          </p:cNvPicPr>
-          <p:nvPr/>
-        </p:nvPicPr>
-        <p:blipFill rotWithShape="1">
-          <a:blip r:embed="rId4"/>
-          <a:srcRect t="2672" r="5421" b="3611"/>
-          <a:stretch/>
-        </p:blipFill>
-        <p:spPr>
-          <a:xfrm>
-            <a:off x="6685426" y="1534023"/>
-            <a:ext cx="2126035" cy="3267076"/>
-          </a:xfrm>
-          <a:prstGeom prst="rect">
-            <a:avLst/>
-          </a:prstGeom>
-        </p:spPr>
-      </p:pic>
-      <p:pic>
-        <p:nvPicPr>
-          <p:cNvPr id="22" name="图片 21">
-            <a:extLst>
-              <a:ext uri="{FF2B5EF4-FFF2-40B4-BE49-F238E27FC236}">
-                <a16:creationId xmlns:a16="http://schemas.microsoft.com/office/drawing/2014/main" id="{B6AB3315-023A-46F4-95D3-2A0FDE4B1EEC}"/>
-              </a:ext>
-            </a:extLst>
-          </p:cNvPr>
-          <p:cNvPicPr>
-            <a:picLocks noChangeAspect="1"/>
-          </p:cNvPicPr>
-          <p:nvPr/>
-        </p:nvPicPr>
-        <p:blipFill>
-          <a:blip r:embed="rId5"/>
-          <a:stretch>
-            <a:fillRect/>
-          </a:stretch>
-        </p:blipFill>
-        <p:spPr>
-          <a:xfrm>
-            <a:off x="9667595" y="1534022"/>
-            <a:ext cx="2009775" cy="3305175"/>
-          </a:xfrm>
-          <a:prstGeom prst="rect">
-            <a:avLst/>
-          </a:prstGeom>
-        </p:spPr>
-      </p:pic>
-      <p:sp>
-        <p:nvSpPr>
-          <p:cNvPr id="23" name="文本框 22">
-            <a:extLst>
-              <a:ext uri="{FF2B5EF4-FFF2-40B4-BE49-F238E27FC236}">
-                <a16:creationId xmlns:a16="http://schemas.microsoft.com/office/drawing/2014/main" id="{C0D6DE92-531E-4A88-A2F2-8BC61E05E3A4}"/>
-              </a:ext>
-            </a:extLst>
-          </p:cNvPr>
-          <p:cNvSpPr txBox="1"/>
-          <p:nvPr/>
-        </p:nvSpPr>
-        <p:spPr>
-          <a:xfrm>
-            <a:off x="7053541" y="5060371"/>
-            <a:ext cx="1466850" cy="369332"/>
-          </a:xfrm>
-          <a:prstGeom prst="rect">
-            <a:avLst/>
-          </a:prstGeom>
-        </p:spPr>
-        <p:style>
-          <a:lnRef idx="2">
-            <a:schemeClr val="accent6">
-              <a:shade val="50000"/>
-            </a:schemeClr>
-          </a:lnRef>
-          <a:fillRef idx="1">
-            <a:schemeClr val="accent6"/>
-          </a:fillRef>
-          <a:effectRef idx="0">
-            <a:schemeClr val="accent6"/>
-          </a:effectRef>
-          <a:fontRef idx="minor">
-            <a:schemeClr val="lt1"/>
-          </a:fontRef>
-        </p:style>
-        <p:txBody>
-          <a:bodyPr wrap="square" rtlCol="0">
-            <a:spAutoFit/>
-          </a:bodyPr>
-          <a:lstStyle/>
-          <a:p>
-            <a:pPr algn="ctr"/>
-            <a:r>
-              <a:rPr lang="zh-CN" altLang="en-US" dirty="0"/>
-              <a:t>语法分析</a:t>
-            </a:r>
-          </a:p>
-        </p:txBody>
-      </p:sp>
-      <p:sp>
-        <p:nvSpPr>
-          <p:cNvPr id="24" name="文本框 23">
-            <a:extLst>
-              <a:ext uri="{FF2B5EF4-FFF2-40B4-BE49-F238E27FC236}">
-                <a16:creationId xmlns:a16="http://schemas.microsoft.com/office/drawing/2014/main" id="{2614AB53-DFF9-4B9E-ACE5-33F4E930E6F9}"/>
-              </a:ext>
-            </a:extLst>
-          </p:cNvPr>
-          <p:cNvSpPr txBox="1"/>
-          <p:nvPr/>
-        </p:nvSpPr>
-        <p:spPr>
-          <a:xfrm>
-            <a:off x="7053541" y="5553278"/>
-            <a:ext cx="1466850" cy="369332"/>
-          </a:xfrm>
-          <a:prstGeom prst="rect">
-            <a:avLst/>
-          </a:prstGeom>
-        </p:spPr>
-        <p:style>
-          <a:lnRef idx="2">
-            <a:schemeClr val="accent6">
-              <a:shade val="50000"/>
-            </a:schemeClr>
-          </a:lnRef>
-          <a:fillRef idx="1">
-            <a:schemeClr val="accent6"/>
-          </a:fillRef>
-          <a:effectRef idx="0">
-            <a:schemeClr val="accent6"/>
-          </a:effectRef>
-          <a:fontRef idx="minor">
-            <a:schemeClr val="lt1"/>
-          </a:fontRef>
-        </p:style>
-        <p:txBody>
-          <a:bodyPr wrap="square" rtlCol="0">
-            <a:spAutoFit/>
-          </a:bodyPr>
-          <a:lstStyle/>
-          <a:p>
-            <a:pPr algn="ctr"/>
-            <a:r>
-              <a:rPr lang="zh-CN" altLang="en-US" dirty="0"/>
-              <a:t>类型检查</a:t>
-            </a:r>
-          </a:p>
-        </p:txBody>
-      </p:sp>
-      <p:sp>
-        <p:nvSpPr>
-          <p:cNvPr id="25" name="文本框 24">
-            <a:extLst>
-              <a:ext uri="{FF2B5EF4-FFF2-40B4-BE49-F238E27FC236}">
-                <a16:creationId xmlns:a16="http://schemas.microsoft.com/office/drawing/2014/main" id="{2A1C1F40-46B3-4583-AF20-D56480708A55}"/>
-              </a:ext>
-            </a:extLst>
-          </p:cNvPr>
-          <p:cNvSpPr txBox="1"/>
-          <p:nvPr/>
-        </p:nvSpPr>
-        <p:spPr>
-          <a:xfrm>
-            <a:off x="7053541" y="6051860"/>
-            <a:ext cx="1466850" cy="369332"/>
-          </a:xfrm>
-          <a:prstGeom prst="rect">
-            <a:avLst/>
-          </a:prstGeom>
-          <a:solidFill>
-            <a:srgbClr val="FF0000"/>
-          </a:solidFill>
-        </p:spPr>
-        <p:style>
-          <a:lnRef idx="2">
-            <a:schemeClr val="accent2">
-              <a:shade val="50000"/>
-            </a:schemeClr>
-          </a:lnRef>
-          <a:fillRef idx="1">
-            <a:schemeClr val="accent2"/>
-          </a:fillRef>
-          <a:effectRef idx="0">
-            <a:schemeClr val="accent2"/>
-          </a:effectRef>
-          <a:fontRef idx="minor">
-            <a:schemeClr val="lt1"/>
-          </a:fontRef>
-        </p:style>
-        <p:txBody>
-          <a:bodyPr wrap="square" rtlCol="0">
-            <a:spAutoFit/>
-          </a:bodyPr>
-          <a:lstStyle/>
-          <a:p>
-            <a:pPr algn="ctr"/>
-            <a:r>
-              <a:rPr lang="zh-CN" altLang="en-US" dirty="0">
-                <a:solidFill>
-                  <a:schemeClr val="tx1"/>
-                </a:solidFill>
-              </a:rPr>
-              <a:t>运行时正确</a:t>
-            </a:r>
-          </a:p>
-        </p:txBody>
-      </p:sp>
-      <p:sp>
-        <p:nvSpPr>
-          <p:cNvPr id="29" name="文本框 28">
-            <a:extLst>
-              <a:ext uri="{FF2B5EF4-FFF2-40B4-BE49-F238E27FC236}">
-                <a16:creationId xmlns:a16="http://schemas.microsoft.com/office/drawing/2014/main" id="{D08D3040-A901-4217-B8BC-194B0875BA6C}"/>
-              </a:ext>
-            </a:extLst>
-          </p:cNvPr>
-          <p:cNvSpPr txBox="1"/>
-          <p:nvPr/>
-        </p:nvSpPr>
-        <p:spPr>
-          <a:xfrm>
-            <a:off x="4184973" y="5059874"/>
-            <a:ext cx="1466850" cy="369332"/>
-          </a:xfrm>
-          <a:prstGeom prst="rect">
-            <a:avLst/>
-          </a:prstGeom>
-        </p:spPr>
-        <p:style>
-          <a:lnRef idx="2">
-            <a:schemeClr val="accent6">
-              <a:shade val="50000"/>
-            </a:schemeClr>
-          </a:lnRef>
-          <a:fillRef idx="1">
-            <a:schemeClr val="accent6"/>
-          </a:fillRef>
-          <a:effectRef idx="0">
-            <a:schemeClr val="accent6"/>
-          </a:effectRef>
-          <a:fontRef idx="minor">
-            <a:schemeClr val="lt1"/>
-          </a:fontRef>
-        </p:style>
-        <p:txBody>
-          <a:bodyPr wrap="square" rtlCol="0">
-            <a:spAutoFit/>
-          </a:bodyPr>
-          <a:lstStyle/>
-          <a:p>
-            <a:pPr algn="ctr"/>
-            <a:r>
-              <a:rPr lang="zh-CN" altLang="en-US" dirty="0"/>
-              <a:t>语法分析</a:t>
-            </a:r>
-          </a:p>
-        </p:txBody>
-      </p:sp>
-      <p:sp>
-        <p:nvSpPr>
-          <p:cNvPr id="30" name="文本框 29">
-            <a:extLst>
-              <a:ext uri="{FF2B5EF4-FFF2-40B4-BE49-F238E27FC236}">
-                <a16:creationId xmlns:a16="http://schemas.microsoft.com/office/drawing/2014/main" id="{C3C64C33-6EC1-48AB-8D7A-6A9A2E244E4D}"/>
-              </a:ext>
-            </a:extLst>
-          </p:cNvPr>
-          <p:cNvSpPr txBox="1"/>
-          <p:nvPr/>
-        </p:nvSpPr>
-        <p:spPr>
-          <a:xfrm>
-            <a:off x="4184973" y="5552781"/>
-            <a:ext cx="1466850" cy="369332"/>
-          </a:xfrm>
-          <a:prstGeom prst="rect">
-            <a:avLst/>
-          </a:prstGeom>
-          <a:solidFill>
-            <a:srgbClr val="FF0000"/>
-          </a:solidFill>
-        </p:spPr>
-        <p:style>
-          <a:lnRef idx="2">
-            <a:schemeClr val="accent6">
-              <a:shade val="50000"/>
-            </a:schemeClr>
-          </a:lnRef>
-          <a:fillRef idx="1">
-            <a:schemeClr val="accent6"/>
-          </a:fillRef>
-          <a:effectRef idx="0">
-            <a:schemeClr val="accent6"/>
-          </a:effectRef>
-          <a:fontRef idx="minor">
-            <a:schemeClr val="lt1"/>
-          </a:fontRef>
-        </p:style>
-        <p:txBody>
-          <a:bodyPr wrap="square" rtlCol="0">
-            <a:spAutoFit/>
-          </a:bodyPr>
-          <a:lstStyle/>
-          <a:p>
-            <a:pPr algn="ctr"/>
-            <a:r>
-              <a:rPr lang="zh-CN" altLang="en-US" dirty="0">
-                <a:solidFill>
-                  <a:schemeClr val="tx1"/>
-                </a:solidFill>
-              </a:rPr>
-              <a:t>类型检查</a:t>
-            </a:r>
-          </a:p>
-        </p:txBody>
-      </p:sp>
-      <p:sp>
-        <p:nvSpPr>
-          <p:cNvPr id="31" name="文本框 30">
-            <a:extLst>
-              <a:ext uri="{FF2B5EF4-FFF2-40B4-BE49-F238E27FC236}">
-                <a16:creationId xmlns:a16="http://schemas.microsoft.com/office/drawing/2014/main" id="{75FB29BB-ABE9-47A9-9A56-655F9913EE13}"/>
-              </a:ext>
-            </a:extLst>
-          </p:cNvPr>
-          <p:cNvSpPr txBox="1"/>
-          <p:nvPr/>
-        </p:nvSpPr>
-        <p:spPr>
-          <a:xfrm>
-            <a:off x="4184973" y="6051363"/>
-            <a:ext cx="1466850" cy="369332"/>
-          </a:xfrm>
-          <a:prstGeom prst="rect">
-            <a:avLst/>
-          </a:prstGeom>
-          <a:solidFill>
-            <a:srgbClr val="FF0000"/>
-          </a:solidFill>
-        </p:spPr>
-        <p:style>
-          <a:lnRef idx="2">
-            <a:schemeClr val="accent2">
-              <a:shade val="50000"/>
-            </a:schemeClr>
-          </a:lnRef>
-          <a:fillRef idx="1">
-            <a:schemeClr val="accent2"/>
-          </a:fillRef>
-          <a:effectRef idx="0">
-            <a:schemeClr val="accent2"/>
-          </a:effectRef>
-          <a:fontRef idx="minor">
-            <a:schemeClr val="lt1"/>
-          </a:fontRef>
-        </p:style>
-        <p:txBody>
-          <a:bodyPr wrap="square" rtlCol="0">
-            <a:spAutoFit/>
-          </a:bodyPr>
-          <a:lstStyle/>
-          <a:p>
-            <a:pPr algn="ctr"/>
-            <a:r>
-              <a:rPr lang="zh-CN" altLang="en-US" dirty="0">
-                <a:solidFill>
-                  <a:schemeClr val="tx1"/>
-                </a:solidFill>
-              </a:rPr>
-              <a:t>运行时正确</a:t>
-            </a:r>
-          </a:p>
-        </p:txBody>
-      </p:sp>
-      <p:sp>
-        <p:nvSpPr>
-          <p:cNvPr id="32" name="文本框 31">
-            <a:extLst>
-              <a:ext uri="{FF2B5EF4-FFF2-40B4-BE49-F238E27FC236}">
-                <a16:creationId xmlns:a16="http://schemas.microsoft.com/office/drawing/2014/main" id="{14C4849E-152F-47F2-A8E6-91EDBD9FA7DB}"/>
-              </a:ext>
-            </a:extLst>
-          </p:cNvPr>
-          <p:cNvSpPr txBox="1"/>
-          <p:nvPr/>
-        </p:nvSpPr>
-        <p:spPr>
-          <a:xfrm>
-            <a:off x="1316692" y="5016605"/>
-            <a:ext cx="1466850" cy="369332"/>
-          </a:xfrm>
-          <a:prstGeom prst="rect">
-            <a:avLst/>
-          </a:prstGeom>
-          <a:solidFill>
-            <a:srgbClr val="FF0000"/>
-          </a:solidFill>
-        </p:spPr>
-        <p:style>
-          <a:lnRef idx="2">
-            <a:schemeClr val="accent6">
-              <a:shade val="50000"/>
-            </a:schemeClr>
-          </a:lnRef>
-          <a:fillRef idx="1">
-            <a:schemeClr val="accent6"/>
-          </a:fillRef>
-          <a:effectRef idx="0">
-            <a:schemeClr val="accent6"/>
-          </a:effectRef>
-          <a:fontRef idx="minor">
-            <a:schemeClr val="lt1"/>
-          </a:fontRef>
-        </p:style>
-        <p:txBody>
-          <a:bodyPr wrap="square" rtlCol="0">
-            <a:spAutoFit/>
-          </a:bodyPr>
-          <a:lstStyle/>
-          <a:p>
-            <a:pPr algn="ctr"/>
-            <a:r>
-              <a:rPr lang="zh-CN" altLang="en-US" dirty="0">
-                <a:solidFill>
-                  <a:schemeClr val="tx1"/>
-                </a:solidFill>
-              </a:rPr>
-              <a:t>语法分析</a:t>
-            </a:r>
-          </a:p>
-        </p:txBody>
-      </p:sp>
-      <p:sp>
-        <p:nvSpPr>
-          <p:cNvPr id="33" name="文本框 32">
-            <a:extLst>
-              <a:ext uri="{FF2B5EF4-FFF2-40B4-BE49-F238E27FC236}">
-                <a16:creationId xmlns:a16="http://schemas.microsoft.com/office/drawing/2014/main" id="{02A5DB5C-64F7-4236-ABBF-444425EFE6AB}"/>
-              </a:ext>
-            </a:extLst>
-          </p:cNvPr>
-          <p:cNvSpPr txBox="1"/>
-          <p:nvPr/>
-        </p:nvSpPr>
-        <p:spPr>
-          <a:xfrm>
-            <a:off x="1316692" y="5509512"/>
-            <a:ext cx="1466850" cy="369332"/>
-          </a:xfrm>
-          <a:prstGeom prst="rect">
-            <a:avLst/>
-          </a:prstGeom>
-          <a:solidFill>
-            <a:srgbClr val="FF0000"/>
-          </a:solidFill>
-        </p:spPr>
-        <p:style>
-          <a:lnRef idx="2">
-            <a:schemeClr val="accent6">
-              <a:shade val="50000"/>
-            </a:schemeClr>
-          </a:lnRef>
-          <a:fillRef idx="1">
-            <a:schemeClr val="accent6"/>
-          </a:fillRef>
-          <a:effectRef idx="0">
-            <a:schemeClr val="accent6"/>
-          </a:effectRef>
-          <a:fontRef idx="minor">
-            <a:schemeClr val="lt1"/>
-          </a:fontRef>
-        </p:style>
-        <p:txBody>
-          <a:bodyPr wrap="square" rtlCol="0">
-            <a:spAutoFit/>
-          </a:bodyPr>
-          <a:lstStyle/>
-          <a:p>
-            <a:pPr algn="ctr"/>
-            <a:r>
-              <a:rPr lang="zh-CN" altLang="en-US" dirty="0">
-                <a:solidFill>
-                  <a:schemeClr val="tx1"/>
-                </a:solidFill>
-              </a:rPr>
-              <a:t>类型检查</a:t>
-            </a:r>
-          </a:p>
-        </p:txBody>
-      </p:sp>
-      <p:sp>
-        <p:nvSpPr>
-          <p:cNvPr id="34" name="文本框 33">
-            <a:extLst>
-              <a:ext uri="{FF2B5EF4-FFF2-40B4-BE49-F238E27FC236}">
-                <a16:creationId xmlns:a16="http://schemas.microsoft.com/office/drawing/2014/main" id="{18C66A1E-5017-49E1-957B-A6493C4C26EE}"/>
-              </a:ext>
-            </a:extLst>
-          </p:cNvPr>
-          <p:cNvSpPr txBox="1"/>
-          <p:nvPr/>
-        </p:nvSpPr>
-        <p:spPr>
-          <a:xfrm>
-            <a:off x="1316692" y="6008094"/>
-            <a:ext cx="1466850" cy="369332"/>
-          </a:xfrm>
-          <a:prstGeom prst="rect">
-            <a:avLst/>
-          </a:prstGeom>
-          <a:solidFill>
-            <a:srgbClr val="FF0000"/>
-          </a:solidFill>
-        </p:spPr>
-        <p:style>
-          <a:lnRef idx="2">
-            <a:schemeClr val="accent2">
-              <a:shade val="50000"/>
-            </a:schemeClr>
-          </a:lnRef>
-          <a:fillRef idx="1">
-            <a:schemeClr val="accent2"/>
-          </a:fillRef>
-          <a:effectRef idx="0">
-            <a:schemeClr val="accent2"/>
-          </a:effectRef>
-          <a:fontRef idx="minor">
-            <a:schemeClr val="lt1"/>
-          </a:fontRef>
-        </p:style>
-        <p:txBody>
-          <a:bodyPr wrap="square" rtlCol="0">
-            <a:spAutoFit/>
-          </a:bodyPr>
-          <a:lstStyle/>
-          <a:p>
-            <a:pPr algn="ctr"/>
-            <a:r>
-              <a:rPr lang="zh-CN" altLang="en-US" dirty="0">
-                <a:solidFill>
-                  <a:schemeClr val="tx1"/>
-                </a:solidFill>
-              </a:rPr>
-              <a:t>运行时正确</a:t>
-            </a:r>
-          </a:p>
-        </p:txBody>
-      </p:sp>
-    </p:spTree>
-    <p:extLst>
-      <p:ext uri="{BB962C8B-B14F-4D97-AF65-F5344CB8AC3E}">
-        <p14:creationId xmlns:p14="http://schemas.microsoft.com/office/powerpoint/2010/main" val="1838312946"/>
-      </p:ext>
-    </p:extLst>
-  </p:cSld>
-  <p:clrMapOvr>
-    <a:masterClrMapping/>
-  </p:clrMapOvr>
-</p:sld>
-</file>
-
-<file path=ppt/slides/slide4.xml><?xml version="1.0" encoding="utf-8"?>
 <p:sld xmlns:a="http://schemas.openxmlformats.org/drawingml/2006/main" xmlns:r="http://schemas.openxmlformats.org/officeDocument/2006/relationships" xmlns:p="http://schemas.openxmlformats.org/presentationml/2006/main">
   <p:cSld>
     <p:spTree>
@@ -6061,7 +5081,7 @@
 </p:sld>
 </file>
 
-<file path=ppt/slides/slide5.xml><?xml version="1.0" encoding="utf-8"?>
+<file path=ppt/slides/slide4.xml><?xml version="1.0" encoding="utf-8"?>
 <p:sld xmlns:a="http://schemas.openxmlformats.org/drawingml/2006/main" xmlns:r="http://schemas.openxmlformats.org/officeDocument/2006/relationships" xmlns:p="http://schemas.openxmlformats.org/presentationml/2006/main">
   <p:cSld>
     <p:spTree>
@@ -6427,7 +5447,7 @@
 </p:sld>
 </file>
 
-<file path=ppt/slides/slide6.xml><?xml version="1.0" encoding="utf-8"?>
+<file path=ppt/slides/slide5.xml><?xml version="1.0" encoding="utf-8"?>
 <p:sld xmlns:a="http://schemas.openxmlformats.org/drawingml/2006/main" xmlns:r="http://schemas.openxmlformats.org/officeDocument/2006/relationships" xmlns:p="http://schemas.openxmlformats.org/presentationml/2006/main">
   <p:cSld>
     <p:spTree>
@@ -6628,7 +5648,7 @@
 </p:sld>
 </file>
 
-<file path=ppt/slides/slide7.xml><?xml version="1.0" encoding="utf-8"?>
+<file path=ppt/slides/slide6.xml><?xml version="1.0" encoding="utf-8"?>
 <p:sld xmlns:a="http://schemas.openxmlformats.org/drawingml/2006/main" xmlns:r="http://schemas.openxmlformats.org/officeDocument/2006/relationships" xmlns:p="http://schemas.openxmlformats.org/presentationml/2006/main">
   <p:cSld>
     <p:spTree>
@@ -6814,7 +5834,7 @@
 </p:sld>
 </file>
 
-<file path=ppt/slides/slide8.xml><?xml version="1.0" encoding="utf-8"?>
+<file path=ppt/slides/slide7.xml><?xml version="1.0" encoding="utf-8"?>
 <p:sld xmlns:a="http://schemas.openxmlformats.org/drawingml/2006/main" xmlns:r="http://schemas.openxmlformats.org/officeDocument/2006/relationships" xmlns:p="http://schemas.openxmlformats.org/presentationml/2006/main">
   <p:cSld>
     <p:spTree>
@@ -6984,7 +6004,7 @@
 </p:sld>
 </file>
 
-<file path=ppt/slides/slide9.xml><?xml version="1.0" encoding="utf-8"?>
+<file path=ppt/slides/slide8.xml><?xml version="1.0" encoding="utf-8"?>
 <p:sld xmlns:a="http://schemas.openxmlformats.org/drawingml/2006/main" xmlns:r="http://schemas.openxmlformats.org/officeDocument/2006/relationships" xmlns:p="http://schemas.openxmlformats.org/presentationml/2006/main">
   <p:cSld>
     <p:spTree>
@@ -7120,6 +6140,139 @@
     <p:extLst>
       <p:ext uri="{BB962C8B-B14F-4D97-AF65-F5344CB8AC3E}">
         <p14:creationId xmlns:p14="http://schemas.microsoft.com/office/powerpoint/2010/main" val="2303212718"/>
+      </p:ext>
+    </p:extLst>
+  </p:cSld>
+  <p:clrMapOvr>
+    <a:masterClrMapping/>
+  </p:clrMapOvr>
+</p:sld>
+</file>
+
+<file path=ppt/slides/slide9.xml><?xml version="1.0" encoding="utf-8"?>
+<p:sld xmlns:a="http://schemas.openxmlformats.org/drawingml/2006/main" xmlns:r="http://schemas.openxmlformats.org/officeDocument/2006/relationships" xmlns:p="http://schemas.openxmlformats.org/presentationml/2006/main">
+  <p:cSld>
+    <p:spTree>
+      <p:nvGrpSpPr>
+        <p:cNvPr id="1" name=""/>
+        <p:cNvGrpSpPr/>
+        <p:nvPr/>
+      </p:nvGrpSpPr>
+      <p:grpSpPr>
+        <a:xfrm>
+          <a:off x="0" y="0"/>
+          <a:ext cx="0" cy="0"/>
+          <a:chOff x="0" y="0"/>
+          <a:chExt cx="0" cy="0"/>
+        </a:xfrm>
+      </p:grpSpPr>
+      <p:sp>
+        <p:nvSpPr>
+          <p:cNvPr id="2" name="标题 1">
+            <a:extLst>
+              <a:ext uri="{FF2B5EF4-FFF2-40B4-BE49-F238E27FC236}">
+                <a16:creationId xmlns:a16="http://schemas.microsoft.com/office/drawing/2014/main" id="{E3E2134A-8F72-40B1-8D48-14097EC751AD}"/>
+              </a:ext>
+            </a:extLst>
+          </p:cNvPr>
+          <p:cNvSpPr>
+            <a:spLocks noGrp="1"/>
+          </p:cNvSpPr>
+          <p:nvPr>
+            <p:ph type="title"/>
+          </p:nvPr>
+        </p:nvSpPr>
+        <p:spPr/>
+        <p:txBody>
+          <a:bodyPr/>
+          <a:lstStyle/>
+          <a:p>
+            <a:r>
+              <a:rPr lang="zh-CN" altLang="en-US" dirty="0">
+                <a:latin typeface="黑体" panose="02010609060101010101" pitchFamily="49" charset="-122"/>
+                <a:ea typeface="黑体" panose="02010609060101010101" pitchFamily="49" charset="-122"/>
+              </a:rPr>
+              <a:t>上手</a:t>
+            </a:r>
+          </a:p>
+        </p:txBody>
+      </p:sp>
+      <p:sp>
+        <p:nvSpPr>
+          <p:cNvPr id="3" name="内容占位符 2">
+            <a:extLst>
+              <a:ext uri="{FF2B5EF4-FFF2-40B4-BE49-F238E27FC236}">
+                <a16:creationId xmlns:a16="http://schemas.microsoft.com/office/drawing/2014/main" id="{52F06DA5-EDDB-4ACF-B1D2-DF82A576D074}"/>
+              </a:ext>
+            </a:extLst>
+          </p:cNvPr>
+          <p:cNvSpPr>
+            <a:spLocks noGrp="1"/>
+          </p:cNvSpPr>
+          <p:nvPr>
+            <p:ph idx="1"/>
+          </p:nvPr>
+        </p:nvSpPr>
+        <p:spPr>
+          <a:xfrm>
+            <a:off x="838199" y="1753907"/>
+            <a:ext cx="10837769" cy="4422775"/>
+          </a:xfrm>
+        </p:spPr>
+        <p:txBody>
+          <a:bodyPr>
+            <a:normAutofit/>
+          </a:bodyPr>
+          <a:lstStyle/>
+          <a:p>
+            <a:pPr marL="0" indent="0">
+              <a:buNone/>
+            </a:pPr>
+            <a:r>
+              <a:rPr lang="zh-CN" altLang="en-US" dirty="0">
+                <a:latin typeface="Times New Roman" panose="02020603050405020304" pitchFamily="18" charset="0"/>
+                <a:ea typeface="黑体" panose="02010609060101010101" pitchFamily="49" charset="-122"/>
+                <a:cs typeface="Times New Roman" panose="02020603050405020304" pitchFamily="18" charset="0"/>
+              </a:rPr>
+              <a:t>一种可能的实现：</a:t>
+            </a:r>
+          </a:p>
+        </p:txBody>
+      </p:sp>
+      <p:pic>
+        <p:nvPicPr>
+          <p:cNvPr id="5" name="图片 4">
+            <a:extLst>
+              <a:ext uri="{FF2B5EF4-FFF2-40B4-BE49-F238E27FC236}">
+                <a16:creationId xmlns:a16="http://schemas.microsoft.com/office/drawing/2014/main" id="{460FF255-6319-455B-80E4-988BCE0720F5}"/>
+              </a:ext>
+            </a:extLst>
+          </p:cNvPr>
+          <p:cNvPicPr>
+            <a:picLocks noChangeAspect="1"/>
+          </p:cNvPicPr>
+          <p:nvPr/>
+        </p:nvPicPr>
+        <p:blipFill>
+          <a:blip r:embed="rId2"/>
+          <a:stretch>
+            <a:fillRect/>
+          </a:stretch>
+        </p:blipFill>
+        <p:spPr>
+          <a:xfrm>
+            <a:off x="3846366" y="1474226"/>
+            <a:ext cx="7959870" cy="4982136"/>
+          </a:xfrm>
+          <a:prstGeom prst="rect">
+            <a:avLst/>
+          </a:prstGeom>
+        </p:spPr>
+      </p:pic>
+    </p:spTree>
+    <p:extLst>
+      <p:ext uri="{BB962C8B-B14F-4D97-AF65-F5344CB8AC3E}">
+        <p14:creationId xmlns:p14="http://schemas.microsoft.com/office/powerpoint/2010/main" val="391190664"/>
       </p:ext>
     </p:extLst>
   </p:cSld>
